--- a/SoC Week 1 Hackathon slides.pptx
+++ b/SoC Week 1 Hackathon slides.pptx
@@ -8,7 +8,6 @@
     <p:sldId id="256" r:id="rId2"/>
     <p:sldId id="257" r:id="rId3"/>
     <p:sldId id="258" r:id="rId4"/>
-    <p:sldId id="259" r:id="rId5"/>
   </p:sldIdLst>
   <p:sldSz cx="12192000" cy="6858000"/>
   <p:notesSz cx="6858000" cy="9144000"/>
@@ -107,6 +106,11 @@
       </a:defRPr>
     </a:lvl9pPr>
   </p:defaultTextStyle>
+  <p:extLst>
+    <p:ext uri="{EFAFB233-063F-42B5-8137-9DF3F51BA10A}">
+      <p15:sldGuideLst xmlns:p15="http://schemas.microsoft.com/office/powerpoint/2012/main"/>
+    </p:ext>
+  </p:extLst>
 </p:presentation>
 </file>
 
@@ -4069,111 +4073,6 @@
   <p:clrMapOvr>
     <a:masterClrMapping/>
   </p:clrMapOvr>
-  <p:timing>
-    <p:tnLst>
-      <p:par>
-        <p:cTn id="1" dur="indefinite" restart="never" nodeType="tmRoot">
-          <p:childTnLst>
-            <p:seq concurrent="1" nextAc="seek">
-              <p:cTn id="2" dur="indefinite" nodeType="mainSeq">
-                <p:childTnLst>
-                  <p:par>
-                    <p:cTn id="3" fill="hold">
-                      <p:stCondLst>
-                        <p:cond delay="indefinite"/>
-                      </p:stCondLst>
-                      <p:childTnLst>
-                        <p:par>
-                          <p:cTn id="4" fill="hold">
-                            <p:stCondLst>
-                              <p:cond delay="0"/>
-                            </p:stCondLst>
-                            <p:childTnLst>
-                              <p:par>
-                                <p:cTn id="5" presetID="1" presetClass="entr" presetSubtype="0" fill="hold" grpId="0" nodeType="clickEffect">
-                                  <p:stCondLst>
-                                    <p:cond delay="0"/>
-                                  </p:stCondLst>
-                                  <p:childTnLst>
-                                    <p:set>
-                                      <p:cBhvr>
-                                        <p:cTn id="6" dur="1" fill="hold">
-                                          <p:stCondLst>
-                                            <p:cond delay="0"/>
-                                          </p:stCondLst>
-                                        </p:cTn>
-                                        <p:tgtEl>
-                                          <p:spTgt spid="9"/>
-                                        </p:tgtEl>
-                                        <p:attrNameLst>
-                                          <p:attrName>style.visibility</p:attrName>
-                                        </p:attrNameLst>
-                                      </p:cBhvr>
-                                      <p:to>
-                                        <p:strVal val="visible"/>
-                                      </p:to>
-                                    </p:set>
-                                  </p:childTnLst>
-                                </p:cTn>
-                              </p:par>
-                              <p:par>
-                                <p:cTn id="7" presetID="1" presetClass="entr" presetSubtype="0" fill="hold" nodeType="withEffect">
-                                  <p:stCondLst>
-                                    <p:cond delay="0"/>
-                                  </p:stCondLst>
-                                  <p:childTnLst>
-                                    <p:set>
-                                      <p:cBhvr>
-                                        <p:cTn id="8" dur="1" fill="hold">
-                                          <p:stCondLst>
-                                            <p:cond delay="0"/>
-                                          </p:stCondLst>
-                                        </p:cTn>
-                                        <p:tgtEl>
-                                          <p:spTgt spid="1034"/>
-                                        </p:tgtEl>
-                                        <p:attrNameLst>
-                                          <p:attrName>style.visibility</p:attrName>
-                                        </p:attrNameLst>
-                                      </p:cBhvr>
-                                      <p:to>
-                                        <p:strVal val="visible"/>
-                                      </p:to>
-                                    </p:set>
-                                  </p:childTnLst>
-                                </p:cTn>
-                              </p:par>
-                            </p:childTnLst>
-                          </p:cTn>
-                        </p:par>
-                      </p:childTnLst>
-                    </p:cTn>
-                  </p:par>
-                </p:childTnLst>
-              </p:cTn>
-              <p:prevCondLst>
-                <p:cond evt="onPrev" delay="0">
-                  <p:tgtEl>
-                    <p:sldTgt/>
-                  </p:tgtEl>
-                </p:cond>
-              </p:prevCondLst>
-              <p:nextCondLst>
-                <p:cond evt="onNext" delay="0">
-                  <p:tgtEl>
-                    <p:sldTgt/>
-                  </p:tgtEl>
-                </p:cond>
-              </p:nextCondLst>
-            </p:seq>
-          </p:childTnLst>
-        </p:cTn>
-      </p:par>
-    </p:tnLst>
-    <p:bldLst>
-      <p:bldP spid="9" grpId="0"/>
-    </p:bldLst>
-  </p:timing>
 </p:sld>
 </file>
 
@@ -4528,7 +4427,7 @@
         </p:spPr>
         <p:txBody>
           <a:bodyPr vert="horz" lIns="0" tIns="45720" rIns="0" bIns="45720" rtlCol="0">
-            <a:normAutofit/>
+            <a:normAutofit lnSpcReduction="10000"/>
           </a:bodyPr>
           <a:lstStyle>
             <a:lvl1pPr marL="91440" indent="-91440" algn="l" defTabSz="914400" rtl="0" eaLnBrk="1" latinLnBrk="0" hangingPunct="1">
@@ -4791,7 +4690,40 @@
               <a:buFont typeface="+mj-lt"/>
               <a:buAutoNum type="arabicPeriod"/>
             </a:pPr>
-            <a:endParaRPr lang="en-GB" dirty="0"/>
+            <a:r>
+              <a:rPr lang="en-GB" dirty="0"/>
+              <a:t>Caught up on design beyond first MVP. Keep it simple to start off with</a:t>
+            </a:r>
+          </a:p>
+          <a:p>
+            <a:pPr marL="457200" indent="-457200">
+              <a:buFont typeface="+mj-lt"/>
+              <a:buAutoNum type="arabicPeriod"/>
+            </a:pPr>
+            <a:r>
+              <a:rPr lang="en-GB" dirty="0"/>
+              <a:t>Use a programming language we are all familiar with!</a:t>
+            </a:r>
+          </a:p>
+          <a:p>
+            <a:pPr marL="457200" indent="-457200">
+              <a:buFont typeface="+mj-lt"/>
+              <a:buAutoNum type="arabicPeriod"/>
+            </a:pPr>
+            <a:r>
+              <a:rPr lang="en-GB" dirty="0"/>
+              <a:t>Lost original workflow file. Find out how to roll back files on GitHub</a:t>
+            </a:r>
+          </a:p>
+          <a:p>
+            <a:pPr marL="457200" indent="-457200">
+              <a:buFont typeface="+mj-lt"/>
+              <a:buAutoNum type="arabicPeriod"/>
+            </a:pPr>
+            <a:r>
+              <a:rPr lang="en-GB" dirty="0"/>
+              <a:t>Push more regularly to have a clearer, pathed journey</a:t>
+            </a:r>
           </a:p>
         </p:txBody>
       </p:sp>
@@ -4839,11 +4771,7 @@
                                           </p:stCondLst>
                                         </p:cTn>
                                         <p:tgtEl>
-                                          <p:spTgt spid="3">
-                                            <p:txEl>
-                                              <p:pRg st="0" end="0"/>
-                                            </p:txEl>
-                                          </p:spTgt>
+                                          <p:spTgt spid="8"/>
                                         </p:tgtEl>
                                         <p:attrNameLst>
                                           <p:attrName>style.visibility</p:attrName>
@@ -4888,11 +4816,7 @@
                                           </p:stCondLst>
                                         </p:cTn>
                                         <p:tgtEl>
-                                          <p:spTgt spid="3">
-                                            <p:txEl>
-                                              <p:pRg st="1" end="1"/>
-                                            </p:txEl>
-                                          </p:spTgt>
+                                          <p:spTgt spid="3080"/>
                                         </p:tgtEl>
                                         <p:attrNameLst>
                                           <p:attrName>style.visibility</p:attrName>
@@ -4937,7 +4861,69 @@
                                           </p:stCondLst>
                                         </p:cTn>
                                         <p:tgtEl>
-                                          <p:spTgt spid="3">
+                                          <p:spTgt spid="9">
+                                            <p:txEl>
+                                              <p:pRg st="0" end="0"/>
+                                            </p:txEl>
+                                          </p:spTgt>
+                                        </p:tgtEl>
+                                        <p:attrNameLst>
+                                          <p:attrName>style.visibility</p:attrName>
+                                        </p:attrNameLst>
+                                      </p:cBhvr>
+                                      <p:to>
+                                        <p:strVal val="visible"/>
+                                      </p:to>
+                                    </p:set>
+                                  </p:childTnLst>
+                                </p:cTn>
+                              </p:par>
+                              <p:par>
+                                <p:cTn id="15" presetID="1" presetClass="entr" presetSubtype="0" fill="hold" nodeType="withEffect">
+                                  <p:stCondLst>
+                                    <p:cond delay="0"/>
+                                  </p:stCondLst>
+                                  <p:childTnLst>
+                                    <p:set>
+                                      <p:cBhvr>
+                                        <p:cTn id="16" dur="1" fill="hold">
+                                          <p:stCondLst>
+                                            <p:cond delay="0"/>
+                                          </p:stCondLst>
+                                        </p:cTn>
+                                        <p:tgtEl>
+                                          <p:spTgt spid="9">
+                                            <p:txEl>
+                                              <p:pRg st="1" end="1"/>
+                                            </p:txEl>
+                                          </p:spTgt>
+                                        </p:tgtEl>
+                                        <p:attrNameLst>
+                                          <p:attrName>style.visibility</p:attrName>
+                                        </p:attrNameLst>
+                                      </p:cBhvr>
+                                      <p:to>
+                                        <p:strVal val="visible"/>
+                                      </p:to>
+                                    </p:set>
+                                  </p:childTnLst>
+                                </p:cTn>
+                              </p:par>
+                              <p:par>
+                                <p:cTn id="17" presetID="1" presetClass="entr" presetSubtype="0" fill="hold" nodeType="withEffect">
+                                  <p:stCondLst>
+                                    <p:cond delay="0"/>
+                                  </p:stCondLst>
+                                  <p:childTnLst>
+                                    <p:set>
+                                      <p:cBhvr>
+                                        <p:cTn id="18" dur="1" fill="hold">
+                                          <p:stCondLst>
+                                            <p:cond delay="0"/>
+                                          </p:stCondLst>
+                                        </p:cTn>
+                                        <p:tgtEl>
+                                          <p:spTgt spid="9">
                                             <p:txEl>
                                               <p:pRg st="2" end="2"/>
                                             </p:txEl>
@@ -4954,39 +4940,21 @@
                                   </p:childTnLst>
                                 </p:cTn>
                               </p:par>
-                            </p:childTnLst>
-                          </p:cTn>
-                        </p:par>
-                      </p:childTnLst>
-                    </p:cTn>
-                  </p:par>
-                  <p:par>
-                    <p:cTn id="15" fill="hold">
-                      <p:stCondLst>
-                        <p:cond delay="indefinite"/>
-                      </p:stCondLst>
-                      <p:childTnLst>
-                        <p:par>
-                          <p:cTn id="16" fill="hold">
-                            <p:stCondLst>
-                              <p:cond delay="0"/>
-                            </p:stCondLst>
-                            <p:childTnLst>
                               <p:par>
-                                <p:cTn id="17" presetID="1" presetClass="entr" presetSubtype="0" fill="hold" nodeType="clickEffect">
+                                <p:cTn id="19" presetID="1" presetClass="entr" presetSubtype="0" fill="hold" nodeType="withEffect">
                                   <p:stCondLst>
                                     <p:cond delay="0"/>
                                   </p:stCondLst>
                                   <p:childTnLst>
                                     <p:set>
                                       <p:cBhvr>
-                                        <p:cTn id="18" dur="1" fill="hold">
+                                        <p:cTn id="20" dur="1" fill="hold">
                                           <p:stCondLst>
                                             <p:cond delay="0"/>
                                           </p:stCondLst>
                                         </p:cTn>
                                         <p:tgtEl>
-                                          <p:spTgt spid="3">
+                                          <p:spTgt spid="9">
                                             <p:txEl>
                                               <p:pRg st="3" end="3"/>
                                             </p:txEl>
@@ -5003,26 +4971,8 @@
                                   </p:childTnLst>
                                 </p:cTn>
                               </p:par>
-                            </p:childTnLst>
-                          </p:cTn>
-                        </p:par>
-                      </p:childTnLst>
-                    </p:cTn>
-                  </p:par>
-                  <p:par>
-                    <p:cTn id="19" fill="hold">
-                      <p:stCondLst>
-                        <p:cond delay="indefinite"/>
-                      </p:stCondLst>
-                      <p:childTnLst>
-                        <p:par>
-                          <p:cTn id="20" fill="hold">
-                            <p:stCondLst>
-                              <p:cond delay="0"/>
-                            </p:stCondLst>
-                            <p:childTnLst>
                               <p:par>
-                                <p:cTn id="21" presetID="1" presetClass="entr" presetSubtype="0" fill="hold" nodeType="clickEffect">
+                                <p:cTn id="21" presetID="1" presetClass="entr" presetSubtype="0" fill="hold" nodeType="withEffect">
                                   <p:stCondLst>
                                     <p:cond delay="0"/>
                                   </p:stCondLst>
@@ -5035,148 +4985,9 @@
                                           </p:stCondLst>
                                         </p:cTn>
                                         <p:tgtEl>
-                                          <p:spTgt spid="8"/>
-                                        </p:tgtEl>
-                                        <p:attrNameLst>
-                                          <p:attrName>style.visibility</p:attrName>
-                                        </p:attrNameLst>
-                                      </p:cBhvr>
-                                      <p:to>
-                                        <p:strVal val="visible"/>
-                                      </p:to>
-                                    </p:set>
-                                  </p:childTnLst>
-                                </p:cTn>
-                              </p:par>
-                            </p:childTnLst>
-                          </p:cTn>
-                        </p:par>
-                      </p:childTnLst>
-                    </p:cTn>
-                  </p:par>
-                  <p:par>
-                    <p:cTn id="23" fill="hold">
-                      <p:stCondLst>
-                        <p:cond delay="indefinite"/>
-                      </p:stCondLst>
-                      <p:childTnLst>
-                        <p:par>
-                          <p:cTn id="24" fill="hold">
-                            <p:stCondLst>
-                              <p:cond delay="0"/>
-                            </p:stCondLst>
-                            <p:childTnLst>
-                              <p:par>
-                                <p:cTn id="25" presetID="1" presetClass="entr" presetSubtype="0" fill="hold" nodeType="clickEffect">
-                                  <p:stCondLst>
-                                    <p:cond delay="0"/>
-                                  </p:stCondLst>
-                                  <p:childTnLst>
-                                    <p:set>
-                                      <p:cBhvr>
-                                        <p:cTn id="26" dur="1" fill="hold">
-                                          <p:stCondLst>
-                                            <p:cond delay="0"/>
-                                          </p:stCondLst>
-                                        </p:cTn>
-                                        <p:tgtEl>
-                                          <p:spTgt spid="3">
+                                          <p:spTgt spid="9">
                                             <p:txEl>
                                               <p:pRg st="4" end="4"/>
-                                            </p:txEl>
-                                          </p:spTgt>
-                                        </p:tgtEl>
-                                        <p:attrNameLst>
-                                          <p:attrName>style.visibility</p:attrName>
-                                        </p:attrNameLst>
-                                      </p:cBhvr>
-                                      <p:to>
-                                        <p:strVal val="visible"/>
-                                      </p:to>
-                                    </p:set>
-                                  </p:childTnLst>
-                                </p:cTn>
-                              </p:par>
-                            </p:childTnLst>
-                          </p:cTn>
-                        </p:par>
-                      </p:childTnLst>
-                    </p:cTn>
-                  </p:par>
-                  <p:par>
-                    <p:cTn id="27" fill="hold">
-                      <p:stCondLst>
-                        <p:cond delay="indefinite"/>
-                      </p:stCondLst>
-                      <p:childTnLst>
-                        <p:par>
-                          <p:cTn id="28" fill="hold">
-                            <p:stCondLst>
-                              <p:cond delay="0"/>
-                            </p:stCondLst>
-                            <p:childTnLst>
-                              <p:par>
-                                <p:cTn id="29" presetID="1" presetClass="entr" presetSubtype="0" fill="hold" nodeType="clickEffect">
-                                  <p:stCondLst>
-                                    <p:cond delay="0"/>
-                                  </p:stCondLst>
-                                  <p:childTnLst>
-                                    <p:set>
-                                      <p:cBhvr>
-                                        <p:cTn id="30" dur="1" fill="hold">
-                                          <p:stCondLst>
-                                            <p:cond delay="0"/>
-                                          </p:stCondLst>
-                                        </p:cTn>
-                                        <p:tgtEl>
-                                          <p:spTgt spid="3080"/>
-                                        </p:tgtEl>
-                                        <p:attrNameLst>
-                                          <p:attrName>style.visibility</p:attrName>
-                                        </p:attrNameLst>
-                                      </p:cBhvr>
-                                      <p:to>
-                                        <p:strVal val="visible"/>
-                                      </p:to>
-                                    </p:set>
-                                  </p:childTnLst>
-                                </p:cTn>
-                              </p:par>
-                            </p:childTnLst>
-                          </p:cTn>
-                        </p:par>
-                      </p:childTnLst>
-                    </p:cTn>
-                  </p:par>
-                  <p:par>
-                    <p:cTn id="31" fill="hold">
-                      <p:stCondLst>
-                        <p:cond delay="indefinite"/>
-                      </p:stCondLst>
-                      <p:childTnLst>
-                        <p:par>
-                          <p:cTn id="32" fill="hold">
-                            <p:stCondLst>
-                              <p:cond delay="0"/>
-                            </p:stCondLst>
-                            <p:childTnLst>
-                              <p:par>
-                                <p:cTn id="33" presetID="1" presetClass="entr" presetSubtype="0" fill="hold" nodeType="clickEffect">
-                                  <p:stCondLst>
-                                    <p:cond delay="0"/>
-                                  </p:stCondLst>
-                                  <p:childTnLst>
-                                    <p:set>
-                                      <p:cBhvr>
-                                        <p:cTn id="34" dur="1" fill="hold">
-                                          <p:stCondLst>
-                                            <p:cond delay="0"/>
-                                          </p:stCondLst>
-                                        </p:cTn>
-                                        <p:tgtEl>
-                                          <p:spTgt spid="9">
-                                            <p:txEl>
-                                              <p:pRg st="0" end="0"/>
                                             </p:txEl>
                                           </p:spTgt>
                                         </p:tgtEl>
@@ -5268,33 +5079,8 @@
           <a:p>
             <a:r>
               <a:rPr lang="en-US" dirty="0"/>
-              <a:t>Flow diagram</a:t>
-            </a:r>
-            <a:endParaRPr lang="en-GB" dirty="0"/>
-          </a:p>
-        </p:txBody>
-      </p:sp>
-      <p:sp>
-        <p:nvSpPr>
-          <p:cNvPr id="3" name="Content Placeholder 2">
-            <a:extLst>
-              <a:ext uri="{FF2B5EF4-FFF2-40B4-BE49-F238E27FC236}">
-                <a16:creationId xmlns:a16="http://schemas.microsoft.com/office/drawing/2014/main" id="{FE531FD2-DC1F-9243-8021-8F2F9CE921AB}"/>
-              </a:ext>
-            </a:extLst>
-          </p:cNvPr>
-          <p:cNvSpPr>
-            <a:spLocks noGrp="1"/>
-          </p:cNvSpPr>
-          <p:nvPr>
-            <p:ph idx="1"/>
-          </p:nvPr>
-        </p:nvSpPr>
-        <p:spPr/>
-        <p:txBody>
-          <a:bodyPr/>
-          <a:lstStyle/>
-          <a:p>
+              <a:t>Flow diagram + MVPs</a:t>
+            </a:r>
             <a:endParaRPr lang="en-GB" dirty="0"/>
           </a:p>
         </p:txBody>
@@ -5334,196 +5120,104 @@
           </a:prstGeom>
         </p:spPr>
       </p:pic>
-    </p:spTree>
-    <p:extLst>
-      <p:ext uri="{BB962C8B-B14F-4D97-AF65-F5344CB8AC3E}">
-        <p14:creationId xmlns:p14="http://schemas.microsoft.com/office/powerpoint/2010/main" val="2780633021"/>
-      </p:ext>
-    </p:extLst>
-  </p:cSld>
-  <p:clrMapOvr>
-    <a:masterClrMapping/>
-  </p:clrMapOvr>
-</p:sld>
-</file>
-
-<file path=ppt/slides/slide4.xml><?xml version="1.0" encoding="utf-8"?>
-<p:sld xmlns:a="http://schemas.openxmlformats.org/drawingml/2006/main" xmlns:r="http://schemas.openxmlformats.org/officeDocument/2006/relationships" xmlns:p="http://schemas.openxmlformats.org/presentationml/2006/main">
-  <p:cSld>
-    <p:spTree>
-      <p:nvGrpSpPr>
-        <p:cNvPr id="1" name="">
-          <a:extLst>
-            <a:ext uri="{FF2B5EF4-FFF2-40B4-BE49-F238E27FC236}">
-              <a16:creationId xmlns:a16="http://schemas.microsoft.com/office/drawing/2014/main" id="{D13DE820-9C37-7B76-310F-DF13DC600D8A}"/>
-            </a:ext>
-          </a:extLst>
-        </p:cNvPr>
-        <p:cNvGrpSpPr/>
-        <p:nvPr/>
-      </p:nvGrpSpPr>
-      <p:grpSpPr>
-        <a:xfrm>
-          <a:off x="0" y="0"/>
-          <a:ext cx="0" cy="0"/>
-          <a:chOff x="0" y="0"/>
-          <a:chExt cx="0" cy="0"/>
-        </a:xfrm>
-      </p:grpSpPr>
-      <p:sp>
-        <p:nvSpPr>
-          <p:cNvPr id="2" name="Title 1">
+      <p:pic>
+        <p:nvPicPr>
+          <p:cNvPr id="1026" name="Picture 2">
             <a:extLst>
               <a:ext uri="{FF2B5EF4-FFF2-40B4-BE49-F238E27FC236}">
-                <a16:creationId xmlns:a16="http://schemas.microsoft.com/office/drawing/2014/main" id="{161A6FCD-4233-6536-08EA-C8094807CFE5}"/>
-              </a:ext>
-            </a:extLst>
-          </p:cNvPr>
-          <p:cNvSpPr>
-            <a:spLocks noGrp="1"/>
-          </p:cNvSpPr>
-          <p:nvPr>
-            <p:ph type="title"/>
-          </p:nvPr>
-        </p:nvSpPr>
-        <p:spPr/>
-        <p:txBody>
-          <a:bodyPr/>
-          <a:lstStyle/>
-          <a:p>
-            <a:r>
-              <a:rPr lang="en-US" dirty="0"/>
-              <a:t>MVP assignments</a:t>
-            </a:r>
-            <a:endParaRPr lang="en-GB" dirty="0"/>
-          </a:p>
-        </p:txBody>
-      </p:sp>
-      <p:sp>
-        <p:nvSpPr>
-          <p:cNvPr id="3" name="Content Placeholder 2">
-            <a:extLst>
-              <a:ext uri="{FF2B5EF4-FFF2-40B4-BE49-F238E27FC236}">
-                <a16:creationId xmlns:a16="http://schemas.microsoft.com/office/drawing/2014/main" id="{6F32AAF9-3AD1-B6D4-C88C-CCA500E4057F}"/>
-              </a:ext>
-            </a:extLst>
-          </p:cNvPr>
-          <p:cNvSpPr>
-            <a:spLocks noGrp="1"/>
-          </p:cNvSpPr>
-          <p:nvPr>
-            <p:ph idx="1"/>
-          </p:nvPr>
-        </p:nvSpPr>
-        <p:spPr>
-          <a:xfrm>
-            <a:off x="1097280" y="1845734"/>
-            <a:ext cx="2641002" cy="4023360"/>
-          </a:xfrm>
-        </p:spPr>
-        <p:txBody>
-          <a:bodyPr/>
-          <a:lstStyle/>
-          <a:p>
-            <a:pPr>
-              <a:buFont typeface="Wingdings" panose="05000000000000000000" pitchFamily="2" charset="2"/>
-              <a:buChar char="§"/>
-            </a:pPr>
-            <a:r>
-              <a:rPr lang="en-US" dirty="0"/>
-              <a:t>Serge – Layout and character movement</a:t>
-            </a:r>
-          </a:p>
-          <a:p>
-            <a:pPr>
-              <a:buFont typeface="Wingdings" panose="05000000000000000000" pitchFamily="2" charset="2"/>
-              <a:buChar char="§"/>
-            </a:pPr>
-            <a:endParaRPr lang="en-US" dirty="0"/>
-          </a:p>
-          <a:p>
-            <a:pPr>
-              <a:buFont typeface="Wingdings" panose="05000000000000000000" pitchFamily="2" charset="2"/>
-              <a:buChar char="§"/>
-            </a:pPr>
-            <a:endParaRPr lang="en-US" dirty="0"/>
-          </a:p>
-          <a:p>
-            <a:pPr>
-              <a:buFont typeface="Wingdings" panose="05000000000000000000" pitchFamily="2" charset="2"/>
-              <a:buChar char="§"/>
-            </a:pPr>
-            <a:r>
-              <a:rPr lang="en-US" dirty="0"/>
-              <a:t>Sami – Key functionality</a:t>
-            </a:r>
-          </a:p>
-          <a:p>
-            <a:pPr>
-              <a:buFont typeface="Wingdings" panose="05000000000000000000" pitchFamily="2" charset="2"/>
-              <a:buChar char="§"/>
-            </a:pPr>
-            <a:endParaRPr lang="en-US" dirty="0"/>
-          </a:p>
-          <a:p>
-            <a:pPr>
-              <a:buFont typeface="Wingdings" panose="05000000000000000000" pitchFamily="2" charset="2"/>
-              <a:buChar char="§"/>
-            </a:pPr>
-            <a:endParaRPr lang="en-US" dirty="0"/>
-          </a:p>
-          <a:p>
-            <a:pPr>
-              <a:buFont typeface="Wingdings" panose="05000000000000000000" pitchFamily="2" charset="2"/>
-              <a:buChar char="§"/>
-            </a:pPr>
-            <a:r>
-              <a:rPr lang="en-US" dirty="0"/>
-              <a:t>Sarah – Functionality of locks</a:t>
-            </a:r>
-            <a:endParaRPr lang="en-GB" dirty="0"/>
-          </a:p>
-        </p:txBody>
-      </p:sp>
-      <p:pic>
-        <p:nvPicPr>
-          <p:cNvPr id="7" name="Picture 6">
-            <a:extLst>
-              <a:ext uri="{FF2B5EF4-FFF2-40B4-BE49-F238E27FC236}">
-                <a16:creationId xmlns:a16="http://schemas.microsoft.com/office/drawing/2014/main" id="{7DD8E87D-89A7-DB4B-B5B5-1A559C1006A4}"/>
+                <a16:creationId xmlns:a16="http://schemas.microsoft.com/office/drawing/2014/main" id="{445F8FC0-D340-132F-50FD-513A3B710685}"/>
               </a:ext>
             </a:extLst>
           </p:cNvPr>
           <p:cNvPicPr>
-            <a:picLocks noChangeAspect="1"/>
+            <a:picLocks noChangeAspect="1" noChangeArrowheads="1"/>
           </p:cNvPicPr>
           <p:nvPr/>
         </p:nvPicPr>
         <p:blipFill>
-          <a:blip r:embed="rId2">
+          <a:blip r:embed="rId3">
             <a:extLst>
               <a:ext uri="{28A0092B-C50C-407E-A947-70E740481C1C}">
                 <a14:useLocalDpi xmlns:a14="http://schemas.microsoft.com/office/drawing/2010/main" val="0"/>
               </a:ext>
             </a:extLst>
           </a:blip>
-          <a:srcRect l="31324" t="12808" r="29312" b="11863"/>
-          <a:stretch/>
+          <a:srcRect/>
+          <a:stretch>
+            <a:fillRect/>
+          </a:stretch>
         </p:blipFill>
-        <p:spPr>
-          <a:xfrm>
-            <a:off x="11262808" y="18216"/>
-            <a:ext cx="1000911" cy="1077396"/>
+        <p:spPr bwMode="auto">
+          <a:xfrm>
+            <a:off x="1097280" y="1850191"/>
+            <a:ext cx="6173041" cy="4361789"/>
           </a:xfrm>
           <a:prstGeom prst="rect">
             <a:avLst/>
           </a:prstGeom>
+          <a:noFill/>
+          <a:extLst>
+            <a:ext uri="{909E8E84-426E-40DD-AFC4-6F175D3DCCD1}">
+              <a14:hiddenFill xmlns:a14="http://schemas.microsoft.com/office/drawing/2010/main">
+                <a:solidFill>
+                  <a:srgbClr val="FFFFFF"/>
+                </a:solidFill>
+              </a14:hiddenFill>
+            </a:ext>
+          </a:extLst>
+        </p:spPr>
+      </p:pic>
+      <p:pic>
+        <p:nvPicPr>
+          <p:cNvPr id="1028" name="Picture 4">
+            <a:extLst>
+              <a:ext uri="{FF2B5EF4-FFF2-40B4-BE49-F238E27FC236}">
+                <a16:creationId xmlns:a16="http://schemas.microsoft.com/office/drawing/2014/main" id="{0018D6F8-A3DB-092F-127E-594475B92BE3}"/>
+              </a:ext>
+            </a:extLst>
+          </p:cNvPr>
+          <p:cNvPicPr>
+            <a:picLocks noChangeAspect="1" noChangeArrowheads="1"/>
+          </p:cNvPicPr>
+          <p:nvPr/>
+        </p:nvPicPr>
+        <p:blipFill>
+          <a:blip r:embed="rId4">
+            <a:extLst>
+              <a:ext uri="{28A0092B-C50C-407E-A947-70E740481C1C}">
+                <a14:useLocalDpi xmlns:a14="http://schemas.microsoft.com/office/drawing/2010/main" val="0"/>
+              </a:ext>
+            </a:extLst>
+          </a:blip>
+          <a:srcRect/>
+          <a:stretch>
+            <a:fillRect/>
+          </a:stretch>
+        </p:blipFill>
+        <p:spPr bwMode="auto">
+          <a:xfrm>
+            <a:off x="7522041" y="1850191"/>
+            <a:ext cx="4302406" cy="4367892"/>
+          </a:xfrm>
+          <a:prstGeom prst="rect">
+            <a:avLst/>
+          </a:prstGeom>
+          <a:noFill/>
+          <a:extLst>
+            <a:ext uri="{909E8E84-426E-40DD-AFC4-6F175D3DCCD1}">
+              <a14:hiddenFill xmlns:a14="http://schemas.microsoft.com/office/drawing/2010/main">
+                <a:solidFill>
+                  <a:srgbClr val="FFFFFF"/>
+                </a:solidFill>
+              </a14:hiddenFill>
+            </a:ext>
+          </a:extLst>
         </p:spPr>
       </p:pic>
     </p:spTree>
     <p:extLst>
       <p:ext uri="{BB962C8B-B14F-4D97-AF65-F5344CB8AC3E}">
-        <p14:creationId xmlns:p14="http://schemas.microsoft.com/office/powerpoint/2010/main" val="4245074343"/>
+        <p14:creationId xmlns:p14="http://schemas.microsoft.com/office/powerpoint/2010/main" val="2780633021"/>
       </p:ext>
     </p:extLst>
   </p:cSld>
